--- a/Slides.pptx
+++ b/Slides.pptx
@@ -7,11 +7,13 @@
   <p:sldIdLst>
     <p:sldId id="382" r:id="rId2"/>
     <p:sldId id="406" r:id="rId3"/>
-    <p:sldId id="407" r:id="rId4"/>
-    <p:sldId id="405" r:id="rId5"/>
-    <p:sldId id="402" r:id="rId6"/>
-    <p:sldId id="404" r:id="rId7"/>
-    <p:sldId id="403" r:id="rId8"/>
+    <p:sldId id="408" r:id="rId4"/>
+    <p:sldId id="407" r:id="rId5"/>
+    <p:sldId id="409" r:id="rId6"/>
+    <p:sldId id="405" r:id="rId7"/>
+    <p:sldId id="402" r:id="rId8"/>
+    <p:sldId id="404" r:id="rId9"/>
+    <p:sldId id="403" r:id="rId10"/>
   </p:sldIdLst>
   <p:sldSz cx="12192000" cy="6858000"/>
   <p:notesSz cx="6858000" cy="9144000"/>
@@ -695,7 +697,7 @@
           <a:p>
             <a:fld id="{4190563A-194A-4594-9DA3-D09373A98290}" type="datetimeFigureOut">
               <a:rPr lang="en-US" smtClean="0"/>
-              <a:t>2/1/2024</a:t>
+              <a:t>2/2/2024</a:t>
             </a:fld>
             <a:endParaRPr lang="en-US"/>
           </a:p>
@@ -2570,53 +2572,6 @@
           <a:prstGeom prst="rect">
             <a:avLst/>
           </a:prstGeom>
-        </p:spPr>
-      </p:pic>
-      <p:pic>
-        <p:nvPicPr>
-          <p:cNvPr id="4" name="Picture 2">
-            <a:extLst>
-              <a:ext uri="{FF2B5EF4-FFF2-40B4-BE49-F238E27FC236}">
-                <a16:creationId xmlns:a16="http://schemas.microsoft.com/office/drawing/2014/main" id="{B05C12A3-6A83-B5F1-A39D-1B13FE53CD64}"/>
-              </a:ext>
-            </a:extLst>
-          </p:cNvPr>
-          <p:cNvPicPr>
-            <a:picLocks noChangeAspect="1" noChangeArrowheads="1"/>
-          </p:cNvPicPr>
-          <p:nvPr userDrawn="1"/>
-        </p:nvPicPr>
-        <p:blipFill>
-          <a:blip r:embed="rId15">
-            <a:extLst>
-              <a:ext uri="{28A0092B-C50C-407E-A947-70E740481C1C}">
-                <a14:useLocalDpi xmlns:a14="http://schemas.microsoft.com/office/drawing/2010/main" val="0"/>
-              </a:ext>
-            </a:extLst>
-          </a:blip>
-          <a:srcRect/>
-          <a:stretch>
-            <a:fillRect/>
-          </a:stretch>
-        </p:blipFill>
-        <p:spPr bwMode="auto">
-          <a:xfrm>
-            <a:off x="11311797" y="62375"/>
-            <a:ext cx="829828" cy="1240593"/>
-          </a:xfrm>
-          <a:prstGeom prst="rect">
-            <a:avLst/>
-          </a:prstGeom>
-          <a:noFill/>
-          <a:extLst>
-            <a:ext uri="{909E8E84-426E-40DD-AFC4-6F175D3DCCD1}">
-              <a14:hiddenFill xmlns:a14="http://schemas.microsoft.com/office/drawing/2010/main">
-                <a:solidFill>
-                  <a:srgbClr val="FFFFFF"/>
-                </a:solidFill>
-              </a14:hiddenFill>
-            </a:ext>
-          </a:extLst>
         </p:spPr>
       </p:pic>
     </p:spTree>
@@ -3138,7 +3093,7 @@
         </p:spPr>
         <p:txBody>
           <a:bodyPr>
-            <a:normAutofit/>
+            <a:normAutofit lnSpcReduction="10000"/>
           </a:bodyPr>
           <a:lstStyle/>
           <a:p>
@@ -3161,7 +3116,34 @@
               <a:rPr lang="en-US" sz="2400"/>
               <a:t>It is a part of Artificial Intelligence (AI), which is about making computers  smart enough to solve problems on their own.</a:t>
             </a:r>
-            <a:endParaRPr lang="en-US" sz="2200"/>
+          </a:p>
+          <a:p>
+            <a:pPr marL="230188"/>
+            <a:r>
+              <a:rPr lang="en-US" sz="2400"/>
+              <a:t>There are several types of machine learning:</a:t>
+            </a:r>
+          </a:p>
+          <a:p>
+            <a:pPr marL="230188"/>
+            <a:r>
+              <a:rPr lang="en-US" sz="2400"/>
+              <a:t>supervised learning: training a model on a labeled dataset; each training example is paired with an output label</a:t>
+            </a:r>
+          </a:p>
+          <a:p>
+            <a:pPr marL="230188"/>
+            <a:r>
+              <a:rPr lang="en-US" sz="2400"/>
+              <a:t>unsupervised learning:  training a model on data that does not have labeled responses; system tries to learn the patterns and the structure from the data without any explicit instructions</a:t>
+            </a:r>
+          </a:p>
+          <a:p>
+            <a:pPr marL="230188"/>
+            <a:r>
+              <a:rPr lang="en-US" sz="2400"/>
+              <a:t>reinforcement learning: the system learns to make decisions by taking actions in an environment to achieve some goals; it receives rewards or penalties for the actions it takes and learns to maximize the reward</a:t>
+            </a:r>
           </a:p>
         </p:txBody>
       </p:sp>
@@ -3223,6 +3205,152 @@
           <a:p>
             <a:r>
               <a:rPr lang="en-US" sz="4000"/>
+              <a:t>Machine Learning</a:t>
+            </a:r>
+          </a:p>
+        </p:txBody>
+      </p:sp>
+      <p:sp>
+        <p:nvSpPr>
+          <p:cNvPr id="3" name="Content Placeholder 2">
+            <a:extLst>
+              <a:ext uri="{FF2B5EF4-FFF2-40B4-BE49-F238E27FC236}">
+                <a16:creationId xmlns:a16="http://schemas.microsoft.com/office/drawing/2014/main" id="{75A7E5F1-1C32-A5DB-AAB2-1AF1460B396F}"/>
+              </a:ext>
+            </a:extLst>
+          </p:cNvPr>
+          <p:cNvSpPr>
+            <a:spLocks noGrp="1"/>
+          </p:cNvSpPr>
+          <p:nvPr>
+            <p:ph idx="1"/>
+          </p:nvPr>
+        </p:nvSpPr>
+        <p:spPr>
+          <a:xfrm>
+            <a:off x="609600" y="864000"/>
+            <a:ext cx="10160000" cy="5806110"/>
+          </a:xfrm>
+        </p:spPr>
+        <p:txBody>
+          <a:bodyPr>
+            <a:normAutofit lnSpcReduction="10000"/>
+          </a:bodyPr>
+          <a:lstStyle/>
+          <a:p>
+            <a:pPr marL="230188"/>
+            <a:r>
+              <a:rPr lang="en-US" sz="2800"/>
+              <a:t>Machine learning refers to the way computers learn from experience; the more examples they are exposed to, the better they understand. </a:t>
+            </a:r>
+          </a:p>
+          <a:p>
+            <a:pPr marL="527368" lvl="1"/>
+            <a:r>
+              <a:rPr lang="en-US" sz="2400"/>
+              <a:t>It is a part of Artificial Intelligence (AI), which is about making computers  smart enough to solve problems on their own.</a:t>
+            </a:r>
+          </a:p>
+          <a:p>
+            <a:pPr marL="230188"/>
+            <a:r>
+              <a:rPr lang="en-US" sz="2800"/>
+              <a:t>There are several types of machine learning:</a:t>
+            </a:r>
+          </a:p>
+          <a:p>
+            <a:pPr marL="527368" lvl="1"/>
+            <a:r>
+              <a:rPr lang="en-US" sz="2400" b="1"/>
+              <a:t>supervised learning</a:t>
+            </a:r>
+            <a:r>
+              <a:rPr lang="en-US" sz="2400"/>
+              <a:t>: training a system on a labeled dataset; each training example is paired with an output label</a:t>
+            </a:r>
+          </a:p>
+          <a:p>
+            <a:pPr marL="527368" lvl="1"/>
+            <a:r>
+              <a:rPr lang="en-US" sz="2400" b="1"/>
+              <a:t>unsupervised learning</a:t>
+            </a:r>
+            <a:r>
+              <a:rPr lang="en-US" sz="2400"/>
+              <a:t>:  training a system on data that does not have labeled responses; system tries to learn the patterns and the structure from the data without any explicit instructions</a:t>
+            </a:r>
+          </a:p>
+          <a:p>
+            <a:pPr marL="527368" lvl="1"/>
+            <a:r>
+              <a:rPr lang="en-US" sz="2400" b="1"/>
+              <a:t>reinforcement learning</a:t>
+            </a:r>
+            <a:r>
+              <a:rPr lang="en-US" sz="2400"/>
+              <a:t>: the system learns to make decisions by taking actions in an environment to achieve some goals; it receives rewards or penalties for the actions it takes and learns to maximize the reward</a:t>
+            </a:r>
+          </a:p>
+        </p:txBody>
+      </p:sp>
+    </p:spTree>
+    <p:extLst>
+      <p:ext uri="{BB962C8B-B14F-4D97-AF65-F5344CB8AC3E}">
+        <p14:creationId xmlns:p14="http://schemas.microsoft.com/office/powerpoint/2010/main" val="2308741075"/>
+      </p:ext>
+    </p:extLst>
+  </p:cSld>
+  <p:clrMapOvr>
+    <a:masterClrMapping/>
+  </p:clrMapOvr>
+</p:sld>
+</file>
+
+<file path=ppt/slides/slide4.xml><?xml version="1.0" encoding="utf-8"?>
+<p:sld xmlns:a="http://schemas.openxmlformats.org/drawingml/2006/main" xmlns:r="http://schemas.openxmlformats.org/officeDocument/2006/relationships" xmlns:p="http://schemas.openxmlformats.org/presentationml/2006/main">
+  <p:cSld>
+    <p:spTree>
+      <p:nvGrpSpPr>
+        <p:cNvPr id="1" name=""/>
+        <p:cNvGrpSpPr/>
+        <p:nvPr/>
+      </p:nvGrpSpPr>
+      <p:grpSpPr>
+        <a:xfrm>
+          <a:off x="0" y="0"/>
+          <a:ext cx="0" cy="0"/>
+          <a:chOff x="0" y="0"/>
+          <a:chExt cx="0" cy="0"/>
+        </a:xfrm>
+      </p:grpSpPr>
+      <p:sp>
+        <p:nvSpPr>
+          <p:cNvPr id="2" name="Title 1">
+            <a:extLst>
+              <a:ext uri="{FF2B5EF4-FFF2-40B4-BE49-F238E27FC236}">
+                <a16:creationId xmlns:a16="http://schemas.microsoft.com/office/drawing/2014/main" id="{F9CAC50D-AC96-11C5-E9A0-E4D4ECFC6FF2}"/>
+              </a:ext>
+            </a:extLst>
+          </p:cNvPr>
+          <p:cNvSpPr>
+            <a:spLocks noGrp="1"/>
+          </p:cNvSpPr>
+          <p:nvPr>
+            <p:ph type="title"/>
+          </p:nvPr>
+        </p:nvSpPr>
+        <p:spPr>
+          <a:xfrm>
+            <a:off x="609600" y="58638"/>
+            <a:ext cx="10160000" cy="689866"/>
+          </a:xfrm>
+        </p:spPr>
+        <p:txBody>
+          <a:bodyPr/>
+          <a:lstStyle/>
+          <a:p>
+            <a:r>
+              <a:rPr lang="en-US" sz="4000"/>
               <a:t>Examples of How Machine Learning is Used</a:t>
             </a:r>
           </a:p>
@@ -3305,7 +3433,159 @@
 </p:sld>
 </file>
 
-<file path=ppt/slides/slide4.xml><?xml version="1.0" encoding="utf-8"?>
+<file path=ppt/slides/slide5.xml><?xml version="1.0" encoding="utf-8"?>
+<p:sld xmlns:a="http://schemas.openxmlformats.org/drawingml/2006/main" xmlns:r="http://schemas.openxmlformats.org/officeDocument/2006/relationships" xmlns:p="http://schemas.openxmlformats.org/presentationml/2006/main">
+  <p:cSld>
+    <p:spTree>
+      <p:nvGrpSpPr>
+        <p:cNvPr id="1" name=""/>
+        <p:cNvGrpSpPr/>
+        <p:nvPr/>
+      </p:nvGrpSpPr>
+      <p:grpSpPr>
+        <a:xfrm>
+          <a:off x="0" y="0"/>
+          <a:ext cx="0" cy="0"/>
+          <a:chOff x="0" y="0"/>
+          <a:chExt cx="0" cy="0"/>
+        </a:xfrm>
+      </p:grpSpPr>
+      <p:sp>
+        <p:nvSpPr>
+          <p:cNvPr id="2" name="Title 1">
+            <a:extLst>
+              <a:ext uri="{FF2B5EF4-FFF2-40B4-BE49-F238E27FC236}">
+                <a16:creationId xmlns:a16="http://schemas.microsoft.com/office/drawing/2014/main" id="{F9CAC50D-AC96-11C5-E9A0-E4D4ECFC6FF2}"/>
+              </a:ext>
+            </a:extLst>
+          </p:cNvPr>
+          <p:cNvSpPr>
+            <a:spLocks noGrp="1"/>
+          </p:cNvSpPr>
+          <p:nvPr>
+            <p:ph type="title"/>
+          </p:nvPr>
+        </p:nvSpPr>
+        <p:spPr>
+          <a:xfrm>
+            <a:off x="609600" y="58638"/>
+            <a:ext cx="10160000" cy="689866"/>
+          </a:xfrm>
+        </p:spPr>
+        <p:txBody>
+          <a:bodyPr/>
+          <a:lstStyle/>
+          <a:p>
+            <a:r>
+              <a:rPr lang="en-US" sz="4000"/>
+              <a:t>Machine Learning Algorithms</a:t>
+            </a:r>
+          </a:p>
+        </p:txBody>
+      </p:sp>
+      <p:sp>
+        <p:nvSpPr>
+          <p:cNvPr id="3" name="Content Placeholder 2">
+            <a:extLst>
+              <a:ext uri="{FF2B5EF4-FFF2-40B4-BE49-F238E27FC236}">
+                <a16:creationId xmlns:a16="http://schemas.microsoft.com/office/drawing/2014/main" id="{75A7E5F1-1C32-A5DB-AAB2-1AF1460B396F}"/>
+              </a:ext>
+            </a:extLst>
+          </p:cNvPr>
+          <p:cNvSpPr>
+            <a:spLocks noGrp="1"/>
+          </p:cNvSpPr>
+          <p:nvPr>
+            <p:ph idx="1"/>
+          </p:nvPr>
+        </p:nvSpPr>
+        <p:spPr>
+          <a:xfrm>
+            <a:off x="609600" y="864000"/>
+            <a:ext cx="10160000" cy="5806110"/>
+          </a:xfrm>
+        </p:spPr>
+        <p:txBody>
+          <a:bodyPr>
+            <a:normAutofit/>
+          </a:bodyPr>
+          <a:lstStyle/>
+          <a:p>
+            <a:pPr marL="230188"/>
+            <a:r>
+              <a:rPr lang="en-US" sz="3200"/>
+              <a:t>An algorithm is a step-by-step process to perform a task</a:t>
+            </a:r>
+          </a:p>
+          <a:p>
+            <a:pPr marL="230188"/>
+            <a:r>
+              <a:rPr lang="en-US" sz="3200"/>
+              <a:t>There are many different algorithms used in machine learning:</a:t>
+            </a:r>
+          </a:p>
+          <a:p>
+            <a:pPr marL="527368" lvl="1"/>
+            <a:r>
+              <a:rPr lang="en-US" sz="3000"/>
+              <a:t>Decision Trees</a:t>
+            </a:r>
+          </a:p>
+          <a:p>
+            <a:pPr marL="527368" lvl="1"/>
+            <a:r>
+              <a:rPr lang="en-US" sz="3000"/>
+              <a:t>Logistic Regression</a:t>
+            </a:r>
+          </a:p>
+          <a:p>
+            <a:pPr marL="527368" lvl="1"/>
+            <a:r>
+              <a:rPr lang="en-US" sz="3000"/>
+              <a:t>K-Nearest Neighbor (KNN)</a:t>
+            </a:r>
+          </a:p>
+          <a:p>
+            <a:pPr marL="527368" lvl="1"/>
+            <a:r>
+              <a:rPr lang="en-US" sz="3000"/>
+              <a:t>Support Vector Networks</a:t>
+            </a:r>
+          </a:p>
+          <a:p>
+            <a:pPr marL="527368" lvl="1"/>
+            <a:r>
+              <a:rPr lang="en-US" sz="3000"/>
+              <a:t>Artificial Neural Networks</a:t>
+            </a:r>
+          </a:p>
+          <a:p>
+            <a:pPr marL="527368" lvl="1"/>
+            <a:r>
+              <a:rPr lang="en-US" sz="3000"/>
+              <a:t>and many more</a:t>
+            </a:r>
+          </a:p>
+          <a:p>
+            <a:pPr marL="230188"/>
+            <a:endParaRPr lang="en-US" sz="2400"/>
+          </a:p>
+        </p:txBody>
+      </p:sp>
+    </p:spTree>
+    <p:extLst>
+      <p:ext uri="{BB962C8B-B14F-4D97-AF65-F5344CB8AC3E}">
+        <p14:creationId xmlns:p14="http://schemas.microsoft.com/office/powerpoint/2010/main" val="122995233"/>
+      </p:ext>
+    </p:extLst>
+  </p:cSld>
+  <p:clrMapOvr>
+    <a:masterClrMapping/>
+  </p:clrMapOvr>
+</p:sld>
+</file>
+
+<file path=ppt/slides/slide6.xml><?xml version="1.0" encoding="utf-8"?>
 <p:sld xmlns:a="http://schemas.openxmlformats.org/drawingml/2006/main" xmlns:r="http://schemas.openxmlformats.org/officeDocument/2006/relationships" xmlns:p="http://schemas.openxmlformats.org/presentationml/2006/main">
   <p:cSld>
     <p:spTree>
@@ -3725,7 +4005,7 @@
 </p:sld>
 </file>
 
-<file path=ppt/slides/slide5.xml><?xml version="1.0" encoding="utf-8"?>
+<file path=ppt/slides/slide7.xml><?xml version="1.0" encoding="utf-8"?>
 <p:sld xmlns:a="http://schemas.openxmlformats.org/drawingml/2006/main" xmlns:r="http://schemas.openxmlformats.org/officeDocument/2006/relationships" xmlns:p="http://schemas.openxmlformats.org/presentationml/2006/main">
   <p:cSld>
     <p:spTree>
@@ -3879,7 +4159,7 @@
 </p:sld>
 </file>
 
-<file path=ppt/slides/slide6.xml><?xml version="1.0" encoding="utf-8"?>
+<file path=ppt/slides/slide8.xml><?xml version="1.0" encoding="utf-8"?>
 <p:sld xmlns:a="http://schemas.openxmlformats.org/drawingml/2006/main" xmlns:r="http://schemas.openxmlformats.org/officeDocument/2006/relationships" xmlns:p="http://schemas.openxmlformats.org/presentationml/2006/main">
   <p:cSld>
     <p:spTree>
@@ -4029,7 +4309,7 @@
 </p:sld>
 </file>
 
-<file path=ppt/slides/slide7.xml><?xml version="1.0" encoding="utf-8"?>
+<file path=ppt/slides/slide9.xml><?xml version="1.0" encoding="utf-8"?>
 <p:sld xmlns:a="http://schemas.openxmlformats.org/drawingml/2006/main" xmlns:r="http://schemas.openxmlformats.org/officeDocument/2006/relationships" xmlns:p="http://schemas.openxmlformats.org/presentationml/2006/main">
   <p:cSld>
     <p:spTree>
